--- a/visual basic/L3 OBJECT PROPERTIES and METHODS.pptx
+++ b/visual basic/L3 OBJECT PROPERTIES and METHODS.pptx
@@ -219,7 +219,7 @@
           <a:p>
             <a:fld id="{75124139-BA33-9F4C-B908-4FDD8BB8A18B}" type="datetimeFigureOut">
               <a:rPr lang="en-US" smtClean="0"/>
-              <a:t>2/23/2021</a:t>
+              <a:t>3/3/2021</a:t>
             </a:fld>
             <a:endParaRPr lang="en-US"/>
           </a:p>
@@ -2531,7 +2531,7 @@
           <a:p>
             <a:fld id="{D19AAE9D-61D7-A845-B687-5F14A6752CE6}" type="datetimeFigureOut">
               <a:rPr lang="en-US" smtClean="0"/>
-              <a:t>2/23/2021</a:t>
+              <a:t>3/3/2021</a:t>
             </a:fld>
             <a:endParaRPr lang="en-US"/>
           </a:p>
@@ -2865,7 +2865,7 @@
           <a:p>
             <a:fld id="{D19AAE9D-61D7-A845-B687-5F14A6752CE6}" type="datetimeFigureOut">
               <a:rPr lang="en-US" smtClean="0"/>
-              <a:t>2/23/2021</a:t>
+              <a:t>3/3/2021</a:t>
             </a:fld>
             <a:endParaRPr lang="en-US"/>
           </a:p>
@@ -3143,7 +3143,7 @@
           <a:p>
             <a:fld id="{D19AAE9D-61D7-A845-B687-5F14A6752CE6}" type="datetimeFigureOut">
               <a:rPr lang="en-US" smtClean="0"/>
-              <a:t>2/23/2021</a:t>
+              <a:t>3/3/2021</a:t>
             </a:fld>
             <a:endParaRPr lang="en-US"/>
           </a:p>
@@ -3711,7 +3711,7 @@
           <a:p>
             <a:fld id="{D19AAE9D-61D7-A845-B687-5F14A6752CE6}" type="datetimeFigureOut">
               <a:rPr lang="en-US" smtClean="0"/>
-              <a:t>2/23/2021</a:t>
+              <a:t>3/3/2021</a:t>
             </a:fld>
             <a:endParaRPr lang="en-US"/>
           </a:p>
@@ -3989,7 +3989,7 @@
           <a:p>
             <a:fld id="{D19AAE9D-61D7-A845-B687-5F14A6752CE6}" type="datetimeFigureOut">
               <a:rPr lang="en-US" smtClean="0"/>
-              <a:t>2/23/2021</a:t>
+              <a:t>3/3/2021</a:t>
             </a:fld>
             <a:endParaRPr lang="en-US"/>
           </a:p>
@@ -4551,7 +4551,7 @@
           <a:p>
             <a:fld id="{D19AAE9D-61D7-A845-B687-5F14A6752CE6}" type="datetimeFigureOut">
               <a:rPr lang="en-US" smtClean="0"/>
-              <a:t>2/23/2021</a:t>
+              <a:t>3/3/2021</a:t>
             </a:fld>
             <a:endParaRPr lang="en-US"/>
           </a:p>
@@ -4878,7 +4878,7 @@
           <a:p>
             <a:fld id="{D19AAE9D-61D7-A845-B687-5F14A6752CE6}" type="datetimeFigureOut">
               <a:rPr lang="en-US" smtClean="0"/>
-              <a:t>2/23/2021</a:t>
+              <a:t>3/3/2021</a:t>
             </a:fld>
             <a:endParaRPr lang="en-US"/>
           </a:p>
@@ -5055,7 +5055,7 @@
           <a:p>
             <a:fld id="{D19AAE9D-61D7-A845-B687-5F14A6752CE6}" type="datetimeFigureOut">
               <a:rPr lang="en-US" smtClean="0"/>
-              <a:t>2/23/2021</a:t>
+              <a:t>3/3/2021</a:t>
             </a:fld>
             <a:endParaRPr lang="en-US"/>
           </a:p>
@@ -5293,7 +5293,7 @@
           <a:p>
             <a:fld id="{D19AAE9D-61D7-A845-B687-5F14A6752CE6}" type="datetimeFigureOut">
               <a:rPr lang="en-US" smtClean="0"/>
-              <a:t>2/23/2021</a:t>
+              <a:t>3/3/2021</a:t>
             </a:fld>
             <a:endParaRPr lang="en-US"/>
           </a:p>
@@ -5493,7 +5493,7 @@
           <a:p>
             <a:fld id="{D19AAE9D-61D7-A845-B687-5F14A6752CE6}" type="datetimeFigureOut">
               <a:rPr lang="en-US" smtClean="0"/>
-              <a:t>2/23/2021</a:t>
+              <a:t>3/3/2021</a:t>
             </a:fld>
             <a:endParaRPr lang="en-US"/>
           </a:p>
@@ -5769,7 +5769,7 @@
           <a:p>
             <a:fld id="{D19AAE9D-61D7-A845-B687-5F14A6752CE6}" type="datetimeFigureOut">
               <a:rPr lang="en-US" smtClean="0"/>
-              <a:t>2/23/2021</a:t>
+              <a:t>3/3/2021</a:t>
             </a:fld>
             <a:endParaRPr lang="en-US"/>
           </a:p>
@@ -6035,7 +6035,7 @@
           <a:p>
             <a:fld id="{D19AAE9D-61D7-A845-B687-5F14A6752CE6}" type="datetimeFigureOut">
               <a:rPr lang="en-US" smtClean="0"/>
-              <a:t>2/23/2021</a:t>
+              <a:t>3/3/2021</a:t>
             </a:fld>
             <a:endParaRPr lang="en-US"/>
           </a:p>
@@ -6409,7 +6409,7 @@
           <a:p>
             <a:fld id="{D19AAE9D-61D7-A845-B687-5F14A6752CE6}" type="datetimeFigureOut">
               <a:rPr lang="en-US" smtClean="0"/>
-              <a:t>2/23/2021</a:t>
+              <a:t>3/3/2021</a:t>
             </a:fld>
             <a:endParaRPr lang="en-US"/>
           </a:p>
@@ -6557,7 +6557,7 @@
           <a:p>
             <a:fld id="{D19AAE9D-61D7-A845-B687-5F14A6752CE6}" type="datetimeFigureOut">
               <a:rPr lang="en-US" smtClean="0"/>
-              <a:t>2/23/2021</a:t>
+              <a:t>3/3/2021</a:t>
             </a:fld>
             <a:endParaRPr lang="en-US"/>
           </a:p>
@@ -6682,7 +6682,7 @@
           <a:p>
             <a:fld id="{D19AAE9D-61D7-A845-B687-5F14A6752CE6}" type="datetimeFigureOut">
               <a:rPr lang="en-US" smtClean="0"/>
-              <a:t>2/23/2021</a:t>
+              <a:t>3/3/2021</a:t>
             </a:fld>
             <a:endParaRPr lang="en-US"/>
           </a:p>
@@ -6967,7 +6967,7 @@
           <a:p>
             <a:fld id="{D19AAE9D-61D7-A845-B687-5F14A6752CE6}" type="datetimeFigureOut">
               <a:rPr lang="en-US" smtClean="0"/>
-              <a:t>2/23/2021</a:t>
+              <a:t>3/3/2021</a:t>
             </a:fld>
             <a:endParaRPr lang="en-US"/>
           </a:p>
@@ -7291,7 +7291,7 @@
           <a:p>
             <a:fld id="{D19AAE9D-61D7-A845-B687-5F14A6752CE6}" type="datetimeFigureOut">
               <a:rPr lang="en-US" smtClean="0"/>
-              <a:t>2/23/2021</a:t>
+              <a:t>3/3/2021</a:t>
             </a:fld>
             <a:endParaRPr lang="en-US"/>
           </a:p>
@@ -7505,7 +7505,7 @@
           <a:p>
             <a:fld id="{D19AAE9D-61D7-A845-B687-5F14A6752CE6}" type="datetimeFigureOut">
               <a:rPr lang="en-US" smtClean="0"/>
-              <a:t>2/23/2021</a:t>
+              <a:t>3/3/2021</a:t>
             </a:fld>
             <a:endParaRPr lang="en-US"/>
           </a:p>
@@ -8246,7 +8246,6 @@
               <a:rPr lang="en-SG" dirty="0"/>
               <a:t>) Handles Button1.Click</a:t>
             </a:r>
-            <a:endParaRPr lang="en-SG" dirty="0"/>
           </a:p>
           <a:p>
             <a:endParaRPr lang="en-US" dirty="0"/>
@@ -9636,7 +9635,6 @@
               <a:rPr lang="en-SG" dirty="0"/>
               <a:t>property</a:t>
             </a:r>
-            <a:endParaRPr lang="en-SG" dirty="0"/>
           </a:p>
         </p:txBody>
       </p:sp>
@@ -10422,7 +10420,6 @@
               <a:rPr lang="en-US" dirty="0"/>
               <a:t>FORM OBJECT</a:t>
             </a:r>
-            <a:endParaRPr lang="en-US" dirty="0"/>
           </a:p>
           <a:p>
             <a:pPr marL="342900" indent="-342900">
@@ -10480,7 +10477,6 @@
               <a:rPr lang="en-US" dirty="0"/>
               <a:t>STRING Concatenation in visual Basic</a:t>
             </a:r>
-            <a:endParaRPr lang="en-US" dirty="0"/>
           </a:p>
           <a:p>
             <a:pPr marL="342900" indent="-342900">
@@ -11598,11 +11594,7 @@
             </a:pPr>
             <a:r>
               <a:rPr lang="en-US" dirty="0" smtClean="0"/>
-              <a:t>Input name button on click must prin</a:t>
-            </a:r>
-            <a:r>
-              <a:rPr lang="en-US" dirty="0" smtClean="0"/>
-              <a:t>t in visual studio output</a:t>
+              <a:t>Input name button on click must print in visual studio output</a:t>
             </a:r>
           </a:p>
           <a:p>
@@ -14248,7 +14240,6 @@
               <a:rPr lang="en-US" dirty="0"/>
               <a:t>E.g. draw a red circle with diameter 100</a:t>
             </a:r>
-            <a:endParaRPr lang="en-US" dirty="0"/>
           </a:p>
         </p:txBody>
       </p:sp>
@@ -14425,7 +14416,7 @@
             <a:r>
               <a:rPr lang="en-SG" dirty="0" err="1">
                 <a:solidFill>
-                  <a:schemeClr val="accent6"/>
+                  <a:srgbClr val="FFFF00"/>
                 </a:solidFill>
               </a:rPr>
               <a:t>ellipse_pen</a:t>
@@ -14433,10 +14424,18 @@
             <a:r>
               <a:rPr lang="en-SG" dirty="0">
                 <a:solidFill>
+                  <a:srgbClr val="FFFF00"/>
+                </a:solidFill>
+              </a:rPr>
+              <a:t>, 0, 0, 200, 200</a:t>
+            </a:r>
+            <a:r>
+              <a:rPr lang="en-SG" dirty="0">
+                <a:solidFill>
                   <a:schemeClr val="accent6"/>
                 </a:solidFill>
               </a:rPr>
-              <a:t>, 0, 0, 200, 200)</a:t>
+              <a:t>)</a:t>
             </a:r>
           </a:p>
         </p:txBody>

--- a/visual basic/L3 OBJECT PROPERTIES and METHODS.pptx
+++ b/visual basic/L3 OBJECT PROPERTIES and METHODS.pptx
@@ -219,7 +219,7 @@
           <a:p>
             <a:fld id="{75124139-BA33-9F4C-B908-4FDD8BB8A18B}" type="datetimeFigureOut">
               <a:rPr lang="en-US" smtClean="0"/>
-              <a:t>3/3/2021</a:t>
+              <a:t>12/23/2021</a:t>
             </a:fld>
             <a:endParaRPr lang="en-US"/>
           </a:p>
@@ -627,11 +627,11 @@
           <a:lstStyle/>
           <a:p>
             <a:r>
-              <a:rPr lang="en-US" dirty="0" smtClean="0"/>
+              <a:rPr lang="en-US" dirty="0"/>
               <a:t>Some of these concepts may</a:t>
             </a:r>
             <a:r>
-              <a:rPr lang="en-US" baseline="0" dirty="0" smtClean="0"/>
+              <a:rPr lang="en-US" baseline="0" dirty="0"/>
               <a:t> be new to you, so will look through the next few slides to understand further.</a:t>
             </a:r>
             <a:endParaRPr lang="en-US" dirty="0"/>
@@ -887,11 +887,11 @@
           <a:lstStyle/>
           <a:p>
             <a:r>
-              <a:rPr lang="en-US" dirty="0" smtClean="0"/>
+              <a:rPr lang="en-US" dirty="0"/>
               <a:t>If multiline</a:t>
             </a:r>
             <a:r>
-              <a:rPr lang="en-US" baseline="0" dirty="0" smtClean="0"/>
+              <a:rPr lang="en-US" baseline="0" dirty="0"/>
               <a:t> is true, the textbox can be adjusted</a:t>
             </a:r>
             <a:endParaRPr lang="en-US" dirty="0"/>
@@ -979,11 +979,11 @@
           <a:lstStyle/>
           <a:p>
             <a:r>
-              <a:rPr lang="en-US" dirty="0" smtClean="0"/>
+              <a:rPr lang="en-US" dirty="0"/>
               <a:t>If multiline</a:t>
             </a:r>
             <a:r>
-              <a:rPr lang="en-US" baseline="0" dirty="0" smtClean="0"/>
+              <a:rPr lang="en-US" baseline="0" dirty="0"/>
               <a:t> is true, the textbox can be adjusted</a:t>
             </a:r>
             <a:endParaRPr lang="en-US" dirty="0"/>
@@ -2163,11 +2163,11 @@
           <a:lstStyle/>
           <a:p>
             <a:r>
-              <a:rPr lang="en-US" dirty="0" smtClean="0"/>
+              <a:rPr lang="en-US" dirty="0"/>
               <a:t>Some of these concepts may</a:t>
             </a:r>
             <a:r>
-              <a:rPr lang="en-US" baseline="0" dirty="0" smtClean="0"/>
+              <a:rPr lang="en-US" baseline="0" dirty="0"/>
               <a:t> be new to you, so will look through the next few slides to understand further.</a:t>
             </a:r>
             <a:endParaRPr lang="en-US" dirty="0"/>
@@ -2255,11 +2255,11 @@
           <a:lstStyle/>
           <a:p>
             <a:r>
-              <a:rPr lang="en-US" dirty="0" smtClean="0"/>
+              <a:rPr lang="en-US" dirty="0"/>
               <a:t>Some of these concepts may</a:t>
             </a:r>
             <a:r>
-              <a:rPr lang="en-US" baseline="0" dirty="0" smtClean="0"/>
+              <a:rPr lang="en-US" baseline="0" dirty="0"/>
               <a:t> be new to you, so will look through the next few slides to understand further.</a:t>
             </a:r>
             <a:endParaRPr lang="en-US" dirty="0"/>
@@ -2531,7 +2531,7 @@
           <a:p>
             <a:fld id="{D19AAE9D-61D7-A845-B687-5F14A6752CE6}" type="datetimeFigureOut">
               <a:rPr lang="en-US" smtClean="0"/>
-              <a:t>3/3/2021</a:t>
+              <a:t>12/23/2021</a:t>
             </a:fld>
             <a:endParaRPr lang="en-US"/>
           </a:p>
@@ -2865,7 +2865,7 @@
           <a:p>
             <a:fld id="{D19AAE9D-61D7-A845-B687-5F14A6752CE6}" type="datetimeFigureOut">
               <a:rPr lang="en-US" smtClean="0"/>
-              <a:t>3/3/2021</a:t>
+              <a:t>12/23/2021</a:t>
             </a:fld>
             <a:endParaRPr lang="en-US"/>
           </a:p>
@@ -3143,7 +3143,7 @@
           <a:p>
             <a:fld id="{D19AAE9D-61D7-A845-B687-5F14A6752CE6}" type="datetimeFigureOut">
               <a:rPr lang="en-US" smtClean="0"/>
-              <a:t>3/3/2021</a:t>
+              <a:t>12/23/2021</a:t>
             </a:fld>
             <a:endParaRPr lang="en-US"/>
           </a:p>
@@ -3711,7 +3711,7 @@
           <a:p>
             <a:fld id="{D19AAE9D-61D7-A845-B687-5F14A6752CE6}" type="datetimeFigureOut">
               <a:rPr lang="en-US" smtClean="0"/>
-              <a:t>3/3/2021</a:t>
+              <a:t>12/23/2021</a:t>
             </a:fld>
             <a:endParaRPr lang="en-US"/>
           </a:p>
@@ -3989,7 +3989,7 @@
           <a:p>
             <a:fld id="{D19AAE9D-61D7-A845-B687-5F14A6752CE6}" type="datetimeFigureOut">
               <a:rPr lang="en-US" smtClean="0"/>
-              <a:t>3/3/2021</a:t>
+              <a:t>12/23/2021</a:t>
             </a:fld>
             <a:endParaRPr lang="en-US"/>
           </a:p>
@@ -4551,7 +4551,7 @@
           <a:p>
             <a:fld id="{D19AAE9D-61D7-A845-B687-5F14A6752CE6}" type="datetimeFigureOut">
               <a:rPr lang="en-US" smtClean="0"/>
-              <a:t>3/3/2021</a:t>
+              <a:t>12/23/2021</a:t>
             </a:fld>
             <a:endParaRPr lang="en-US"/>
           </a:p>
@@ -4878,7 +4878,7 @@
           <a:p>
             <a:fld id="{D19AAE9D-61D7-A845-B687-5F14A6752CE6}" type="datetimeFigureOut">
               <a:rPr lang="en-US" smtClean="0"/>
-              <a:t>3/3/2021</a:t>
+              <a:t>12/23/2021</a:t>
             </a:fld>
             <a:endParaRPr lang="en-US"/>
           </a:p>
@@ -5055,7 +5055,7 @@
           <a:p>
             <a:fld id="{D19AAE9D-61D7-A845-B687-5F14A6752CE6}" type="datetimeFigureOut">
               <a:rPr lang="en-US" smtClean="0"/>
-              <a:t>3/3/2021</a:t>
+              <a:t>12/23/2021</a:t>
             </a:fld>
             <a:endParaRPr lang="en-US"/>
           </a:p>
@@ -5293,7 +5293,7 @@
           <a:p>
             <a:fld id="{D19AAE9D-61D7-A845-B687-5F14A6752CE6}" type="datetimeFigureOut">
               <a:rPr lang="en-US" smtClean="0"/>
-              <a:t>3/3/2021</a:t>
+              <a:t>12/23/2021</a:t>
             </a:fld>
             <a:endParaRPr lang="en-US"/>
           </a:p>
@@ -5493,7 +5493,7 @@
           <a:p>
             <a:fld id="{D19AAE9D-61D7-A845-B687-5F14A6752CE6}" type="datetimeFigureOut">
               <a:rPr lang="en-US" smtClean="0"/>
-              <a:t>3/3/2021</a:t>
+              <a:t>12/23/2021</a:t>
             </a:fld>
             <a:endParaRPr lang="en-US"/>
           </a:p>
@@ -5769,7 +5769,7 @@
           <a:p>
             <a:fld id="{D19AAE9D-61D7-A845-B687-5F14A6752CE6}" type="datetimeFigureOut">
               <a:rPr lang="en-US" smtClean="0"/>
-              <a:t>3/3/2021</a:t>
+              <a:t>12/23/2021</a:t>
             </a:fld>
             <a:endParaRPr lang="en-US"/>
           </a:p>
@@ -6035,7 +6035,7 @@
           <a:p>
             <a:fld id="{D19AAE9D-61D7-A845-B687-5F14A6752CE6}" type="datetimeFigureOut">
               <a:rPr lang="en-US" smtClean="0"/>
-              <a:t>3/3/2021</a:t>
+              <a:t>12/23/2021</a:t>
             </a:fld>
             <a:endParaRPr lang="en-US"/>
           </a:p>
@@ -6409,7 +6409,7 @@
           <a:p>
             <a:fld id="{D19AAE9D-61D7-A845-B687-5F14A6752CE6}" type="datetimeFigureOut">
               <a:rPr lang="en-US" smtClean="0"/>
-              <a:t>3/3/2021</a:t>
+              <a:t>12/23/2021</a:t>
             </a:fld>
             <a:endParaRPr lang="en-US"/>
           </a:p>
@@ -6557,7 +6557,7 @@
           <a:p>
             <a:fld id="{D19AAE9D-61D7-A845-B687-5F14A6752CE6}" type="datetimeFigureOut">
               <a:rPr lang="en-US" smtClean="0"/>
-              <a:t>3/3/2021</a:t>
+              <a:t>12/23/2021</a:t>
             </a:fld>
             <a:endParaRPr lang="en-US"/>
           </a:p>
@@ -6682,7 +6682,7 @@
           <a:p>
             <a:fld id="{D19AAE9D-61D7-A845-B687-5F14A6752CE6}" type="datetimeFigureOut">
               <a:rPr lang="en-US" smtClean="0"/>
-              <a:t>3/3/2021</a:t>
+              <a:t>12/23/2021</a:t>
             </a:fld>
             <a:endParaRPr lang="en-US"/>
           </a:p>
@@ -6967,7 +6967,7 @@
           <a:p>
             <a:fld id="{D19AAE9D-61D7-A845-B687-5F14A6752CE6}" type="datetimeFigureOut">
               <a:rPr lang="en-US" smtClean="0"/>
-              <a:t>3/3/2021</a:t>
+              <a:t>12/23/2021</a:t>
             </a:fld>
             <a:endParaRPr lang="en-US"/>
           </a:p>
@@ -7291,7 +7291,7 @@
           <a:p>
             <a:fld id="{D19AAE9D-61D7-A845-B687-5F14A6752CE6}" type="datetimeFigureOut">
               <a:rPr lang="en-US" smtClean="0"/>
-              <a:t>3/3/2021</a:t>
+              <a:t>12/23/2021</a:t>
             </a:fld>
             <a:endParaRPr lang="en-US"/>
           </a:p>
@@ -7505,7 +7505,7 @@
           <a:p>
             <a:fld id="{D19AAE9D-61D7-A845-B687-5F14A6752CE6}" type="datetimeFigureOut">
               <a:rPr lang="en-US" smtClean="0"/>
-              <a:t>3/3/2021</a:t>
+              <a:t>12/23/2021</a:t>
             </a:fld>
             <a:endParaRPr lang="en-US"/>
           </a:p>
@@ -8160,31 +8160,19 @@
           <a:p>
             <a:r>
               <a:rPr lang="en-US" dirty="0"/>
-              <a:t>Trigger an object’s reaction to external or internal </a:t>
-            </a:r>
-            <a:r>
-              <a:rPr lang="en-US" dirty="0" smtClean="0"/>
-              <a:t>stimuli</a:t>
+              <a:t>Trigger an object’s reaction to external or internal stimuli</a:t>
             </a:r>
           </a:p>
           <a:p>
             <a:r>
               <a:rPr lang="en-US" dirty="0"/>
-              <a:t>Windows monitors for events and ‘flags’ occurrence to objects – not </a:t>
-            </a:r>
-            <a:r>
-              <a:rPr lang="en-US" dirty="0" smtClean="0"/>
-              <a:t>instantaneous</a:t>
+              <a:t>Windows monitors for events and ‘flags’ occurrence to objects – not instantaneous</a:t>
             </a:r>
           </a:p>
           <a:p>
             <a:r>
               <a:rPr lang="en-SG" dirty="0"/>
-              <a:t>Response code = EVENT </a:t>
-            </a:r>
-            <a:r>
-              <a:rPr lang="en-SG" dirty="0" smtClean="0"/>
-              <a:t>HANDLER</a:t>
+              <a:t>Response code = EVENT HANDLER</a:t>
             </a:r>
           </a:p>
           <a:p>
@@ -8192,7 +8180,6 @@
               <a:rPr lang="en-SG" dirty="0"/>
               <a:t>No Event Handler code= no response</a:t>
             </a:r>
-            <a:endParaRPr lang="en-SG" dirty="0" smtClean="0"/>
           </a:p>
           <a:p>
             <a:r>
@@ -8201,14 +8188,10 @@
             </a:r>
             <a:r>
               <a:rPr lang="en-US" dirty="0"/>
-              <a:t> clicking the command button runs</a:t>
-            </a:r>
-            <a:r>
-              <a:rPr lang="en-US" dirty="0" smtClean="0"/>
-              <a:t>:</a:t>
+              <a:t> clicking the command button runs:</a:t>
             </a:r>
             <a:br>
-              <a:rPr lang="en-US" dirty="0" smtClean="0"/>
+              <a:rPr lang="en-US" dirty="0"/>
             </a:br>
             <a:r>
               <a:rPr lang="en-SG" dirty="0"/>
@@ -8274,12 +8257,8 @@
           <a:lstStyle/>
           <a:p>
             <a:r>
-              <a:rPr lang="en-US" dirty="0" smtClean="0"/>
-              <a:t>*Note </a:t>
-            </a:r>
-            <a:r>
               <a:rPr lang="en-US" dirty="0"/>
-              <a:t>underlined section beyond scope of the module</a:t>
+              <a:t>*Note underlined section beyond scope of the module</a:t>
             </a:r>
             <a:endParaRPr lang="en-SG" dirty="0"/>
           </a:p>
@@ -8312,59 +8291,27 @@
                   <a:schemeClr val="accent6"/>
                 </a:solidFill>
               </a:rPr>
-              <a:t>“Button1_Click” is just a name</a:t>
-            </a:r>
-            <a:r>
-              <a:rPr lang="en-US" dirty="0" smtClean="0">
+              <a:t>“Button1_Click” is just a name,</a:t>
+            </a:r>
+          </a:p>
+          <a:p>
+            <a:r>
+              <a:rPr lang="en-US" dirty="0">
                 <a:solidFill>
                   <a:schemeClr val="accent6"/>
                 </a:solidFill>
               </a:rPr>
-              <a:t>,</a:t>
-            </a:r>
-          </a:p>
-          <a:p>
-            <a:r>
-              <a:rPr lang="en-US" dirty="0" smtClean="0">
+              <a:t>“Handles Button1.Click”</a:t>
+            </a:r>
+          </a:p>
+          <a:p>
+            <a:r>
+              <a:rPr lang="en-US" dirty="0">
                 <a:solidFill>
                   <a:schemeClr val="accent6"/>
                 </a:solidFill>
               </a:rPr>
-              <a:t>“</a:t>
-            </a:r>
-            <a:r>
-              <a:rPr lang="en-US" dirty="0">
-                <a:solidFill>
-                  <a:schemeClr val="accent6"/>
-                </a:solidFill>
-              </a:rPr>
-              <a:t>Handles Button1.Click</a:t>
-            </a:r>
-            <a:r>
-              <a:rPr lang="en-US" dirty="0" smtClean="0">
-                <a:solidFill>
-                  <a:schemeClr val="accent6"/>
-                </a:solidFill>
-              </a:rPr>
-              <a:t>”</a:t>
-            </a:r>
-          </a:p>
-          <a:p>
-            <a:r>
-              <a:rPr lang="en-US" dirty="0" smtClean="0">
-                <a:solidFill>
-                  <a:schemeClr val="accent6"/>
-                </a:solidFill>
-              </a:rPr>
-              <a:t>defines </a:t>
-            </a:r>
-            <a:r>
-              <a:rPr lang="en-US" dirty="0">
-                <a:solidFill>
-                  <a:schemeClr val="accent6"/>
-                </a:solidFill>
-              </a:rPr>
-              <a:t>the event it handles</a:t>
+              <a:t>defines the event it handles</a:t>
             </a:r>
             <a:endParaRPr lang="en-SG" dirty="0">
               <a:solidFill>
@@ -8447,10 +8394,9 @@
           <a:p>
             <a:pPr algn="ctr"/>
             <a:r>
-              <a:rPr lang="en-US" dirty="0" smtClean="0"/>
+              <a:rPr lang="en-US" dirty="0"/>
               <a:t>Code Example</a:t>
             </a:r>
-            <a:endParaRPr lang="en-US" dirty="0"/>
           </a:p>
         </p:txBody>
       </p:sp>
@@ -8658,7 +8604,7 @@
           </a:p>
           <a:p>
             <a:r>
-              <a:rPr lang="en-SG" dirty="0" smtClean="0">
+              <a:rPr lang="en-SG" dirty="0">
                 <a:solidFill>
                   <a:schemeClr val="accent6"/>
                 </a:solidFill>
@@ -8677,22 +8623,13 @@
           </a:p>
           <a:p>
             <a:r>
-              <a:rPr lang="en-SG" dirty="0" smtClean="0">
+              <a:rPr lang="en-SG" dirty="0">
                 <a:solidFill>
                   <a:schemeClr val="accent6"/>
                 </a:solidFill>
                 <a:latin typeface="Verdana" panose="020B0604030504040204" pitchFamily="34" charset="0"/>
               </a:rPr>
-              <a:t>btnButton1.Click</a:t>
-            </a:r>
-            <a:r>
-              <a:rPr lang="en-SG" dirty="0">
-                <a:solidFill>
-                  <a:schemeClr val="accent6"/>
-                </a:solidFill>
-                <a:latin typeface="Verdana" panose="020B0604030504040204" pitchFamily="34" charset="0"/>
-              </a:rPr>
-              <a:t>,</a:t>
+              <a:t>btnButton1.Click,</a:t>
             </a:r>
           </a:p>
           <a:p>
@@ -9171,10 +9108,9 @@
           <a:lstStyle/>
           <a:p>
             <a:r>
-              <a:rPr lang="en-US" dirty="0" smtClean="0"/>
+              <a:rPr lang="en-US" dirty="0"/>
               <a:t>FORM OBJECT</a:t>
             </a:r>
-            <a:endParaRPr lang="en-US" dirty="0"/>
           </a:p>
         </p:txBody>
       </p:sp>
@@ -9208,32 +9144,28 @@
           <a:p>
             <a:r>
               <a:rPr lang="en-US" dirty="0"/>
-              <a:t>Basis for most VB apps</a:t>
-            </a:r>
-            <a:r>
-              <a:rPr lang="en-US" dirty="0" smtClean="0"/>
-              <a:t>.</a:t>
-            </a:r>
-          </a:p>
-          <a:p>
-            <a:r>
-              <a:rPr lang="en-US" dirty="0" smtClean="0"/>
+              <a:t>Basis for most VB apps.</a:t>
+            </a:r>
+          </a:p>
+          <a:p>
+            <a:r>
+              <a:rPr lang="en-US" dirty="0"/>
               <a:t>One may have multiple forms in an application</a:t>
             </a:r>
           </a:p>
           <a:p>
             <a:r>
-              <a:rPr lang="en-US" dirty="0" smtClean="0"/>
+              <a:rPr lang="en-US" dirty="0"/>
               <a:t>Supports many events</a:t>
             </a:r>
           </a:p>
           <a:p>
             <a:r>
-              <a:rPr lang="en-US" dirty="0" smtClean="0"/>
+              <a:rPr lang="en-US" dirty="0"/>
               <a:t>Most important event handler is under the </a:t>
             </a:r>
             <a:r>
-              <a:rPr lang="en-US" u="sng" dirty="0" smtClean="0">
+              <a:rPr lang="en-US" u="sng" dirty="0">
                 <a:solidFill>
                   <a:schemeClr val="accent2"/>
                 </a:solidFill>
@@ -9241,51 +9173,43 @@
               <a:t>Load Event</a:t>
             </a:r>
             <a:br>
-              <a:rPr lang="en-US" u="sng" dirty="0" smtClean="0">
+              <a:rPr lang="en-US" u="sng" dirty="0">
                 <a:solidFill>
                   <a:schemeClr val="accent2"/>
                 </a:solidFill>
               </a:rPr>
             </a:br>
-            <a:r>
-              <a:rPr lang="en-US" u="sng" dirty="0" smtClean="0">
-                <a:solidFill>
-                  <a:schemeClr val="accent2"/>
-                </a:solidFill>
-              </a:rPr>
-              <a:t/>
-            </a:r>
             <a:br>
-              <a:rPr lang="en-US" u="sng" dirty="0" smtClean="0">
+              <a:rPr lang="en-US" u="sng" dirty="0">
                 <a:solidFill>
                   <a:schemeClr val="accent2"/>
                 </a:solidFill>
               </a:rPr>
             </a:br>
             <a:r>
-              <a:rPr lang="en-US" dirty="0" smtClean="0"/>
+              <a:rPr lang="en-US" dirty="0"/>
               <a:t>- run at application startup</a:t>
             </a:r>
             <a:br>
-              <a:rPr lang="en-US" dirty="0" smtClean="0"/>
+              <a:rPr lang="en-US" dirty="0"/>
             </a:br>
             <a:r>
-              <a:rPr lang="en-US" dirty="0" smtClean="0"/>
+              <a:rPr lang="en-US" dirty="0"/>
               <a:t>- initialization of variables and equipment</a:t>
             </a:r>
             <a:br>
-              <a:rPr lang="en-US" dirty="0" smtClean="0"/>
+              <a:rPr lang="en-US" dirty="0"/>
             </a:br>
             <a:r>
-              <a:rPr lang="en-US" dirty="0" smtClean="0"/>
+              <a:rPr lang="en-US" dirty="0"/>
               <a:t>- similar to </a:t>
             </a:r>
             <a:r>
-              <a:rPr lang="en-US" dirty="0" err="1" smtClean="0"/>
+              <a:rPr lang="en-US" dirty="0" err="1"/>
               <a:t>onInit</a:t>
             </a:r>
             <a:r>
-              <a:rPr lang="en-US" dirty="0" smtClean="0"/>
+              <a:rPr lang="en-US" dirty="0"/>
               <a:t> on other programming languages</a:t>
             </a:r>
             <a:endParaRPr lang="en-SG" u="sng" dirty="0">
@@ -9619,21 +9543,13 @@
           <a:p>
             <a:r>
               <a:rPr lang="en-SG" dirty="0"/>
-              <a:t>To display text</a:t>
-            </a:r>
-            <a:r>
-              <a:rPr lang="en-SG" dirty="0" smtClean="0"/>
-              <a:t>,</a:t>
-            </a:r>
-          </a:p>
-          <a:p>
-            <a:r>
-              <a:rPr lang="en-SG" dirty="0" smtClean="0"/>
-              <a:t>set </a:t>
-            </a:r>
+              <a:t>To display text,</a:t>
+            </a:r>
+          </a:p>
+          <a:p>
             <a:r>
               <a:rPr lang="en-SG" dirty="0"/>
-              <a:t>property</a:t>
+              <a:t>set property</a:t>
             </a:r>
           </a:p>
         </p:txBody>
@@ -9660,16 +9576,10 @@
           <a:lstStyle/>
           <a:p>
             <a:r>
-              <a:rPr lang="en-US" dirty="0" smtClean="0">
-                <a:latin typeface="Verdana" panose="020B0604030504040204" pitchFamily="34" charset="0"/>
-              </a:rPr>
-              <a:t>To </a:t>
-            </a:r>
-            <a:r>
               <a:rPr lang="en-US" dirty="0">
                 <a:latin typeface="Verdana" panose="020B0604030504040204" pitchFamily="34" charset="0"/>
               </a:rPr>
-              <a:t>read and store text, equate a</a:t>
+              <a:t>To read and store text, equate a</a:t>
             </a:r>
           </a:p>
           <a:p>
@@ -10086,30 +9996,30 @@
           <a:lstStyle/>
           <a:p>
             <a:r>
-              <a:rPr lang="en-SG" dirty="0" smtClean="0"/>
+              <a:rPr lang="en-SG" dirty="0"/>
               <a:t>Supports many properties: style, back </a:t>
             </a:r>
             <a:r>
-              <a:rPr lang="en-SG" dirty="0" err="1" smtClean="0"/>
+              <a:rPr lang="en-SG" dirty="0" err="1"/>
               <a:t>color</a:t>
             </a:r>
             <a:r>
-              <a:rPr lang="en-SG" dirty="0" smtClean="0"/>
+              <a:rPr lang="en-SG" dirty="0"/>
               <a:t>, captions, down picture, enabled, font, size, position…</a:t>
             </a:r>
           </a:p>
           <a:p>
             <a:r>
-              <a:rPr lang="en-US" dirty="0" smtClean="0"/>
+              <a:rPr lang="en-US" dirty="0"/>
               <a:t>Changing color requires style = Graphical</a:t>
             </a:r>
           </a:p>
           <a:p>
             <a:r>
-              <a:rPr lang="en-US" dirty="0" smtClean="0"/>
+              <a:rPr lang="en-US" dirty="0"/>
               <a:t>All can be set at design time or dynamically at runtime</a:t>
             </a:r>
-            <a:endParaRPr lang="en-SG" dirty="0" smtClean="0"/>
+            <a:endParaRPr lang="en-SG" dirty="0"/>
           </a:p>
           <a:p>
             <a:endParaRPr lang="en-SG" dirty="0"/>
@@ -10195,10 +10105,9 @@
           <a:lstStyle/>
           <a:p>
             <a:r>
-              <a:rPr lang="en-US" dirty="0" smtClean="0"/>
+              <a:rPr lang="en-US" dirty="0"/>
               <a:t>Writing comments in Visual Basic</a:t>
             </a:r>
-            <a:endParaRPr lang="en-US" dirty="0"/>
           </a:p>
         </p:txBody>
       </p:sp>
@@ -10354,11 +10263,7 @@
             </a:pPr>
             <a:r>
               <a:rPr lang="en-US" dirty="0"/>
-              <a:t>Object </a:t>
-            </a:r>
-            <a:r>
-              <a:rPr lang="en-US" dirty="0" smtClean="0"/>
-              <a:t>prefixes</a:t>
+              <a:t>Object prefixes</a:t>
             </a:r>
           </a:p>
           <a:p>
@@ -10368,11 +10273,7 @@
             </a:pPr>
             <a:r>
               <a:rPr lang="en-SG" dirty="0"/>
-              <a:t>General Programming </a:t>
-            </a:r>
-            <a:r>
-              <a:rPr lang="en-SG" dirty="0" smtClean="0"/>
-              <a:t>Understanding</a:t>
+              <a:t>General Programming Understanding</a:t>
             </a:r>
             <a:endParaRPr lang="en-US" dirty="0"/>
           </a:p>
@@ -10381,7 +10282,7 @@
               <a:buAutoNum type="arabicPeriod"/>
             </a:pPr>
             <a:r>
-              <a:rPr lang="en-SG" dirty="0" smtClean="0"/>
+              <a:rPr lang="en-SG" dirty="0"/>
               <a:t>Properties</a:t>
             </a:r>
           </a:p>
@@ -10390,7 +10291,7 @@
               <a:buAutoNum type="arabicPeriod"/>
             </a:pPr>
             <a:r>
-              <a:rPr lang="en-US" dirty="0" smtClean="0"/>
+              <a:rPr lang="en-US" dirty="0"/>
               <a:t>Methods</a:t>
             </a:r>
             <a:endParaRPr lang="en-SG" dirty="0"/>
@@ -10400,16 +10301,8 @@
               <a:buAutoNum type="arabicPeriod"/>
             </a:pPr>
             <a:r>
-              <a:rPr lang="en-US" dirty="0" smtClean="0"/>
-              <a:t>EVENTS </a:t>
-            </a:r>
-            <a:r>
               <a:rPr lang="en-US" dirty="0"/>
-              <a:t>&amp; </a:t>
-            </a:r>
-            <a:r>
-              <a:rPr lang="en-US" dirty="0" smtClean="0"/>
-              <a:t>HANDLERS</a:t>
+              <a:t>EVENTS &amp; HANDLERS</a:t>
             </a:r>
           </a:p>
           <a:p>
@@ -10436,11 +10329,7 @@
             </a:pPr>
             <a:r>
               <a:rPr lang="en-US" dirty="0"/>
-              <a:t>Command Button </a:t>
-            </a:r>
-            <a:r>
-              <a:rPr lang="en-US" dirty="0" smtClean="0"/>
-              <a:t>Control</a:t>
+              <a:t>Command Button Control</a:t>
             </a:r>
           </a:p>
           <a:p>
@@ -10449,11 +10338,7 @@
             </a:pPr>
             <a:r>
               <a:rPr lang="en-US" dirty="0"/>
-              <a:t>Writing comments in Visual </a:t>
-            </a:r>
-            <a:r>
-              <a:rPr lang="en-US" dirty="0" smtClean="0"/>
-              <a:t>Basic</a:t>
+              <a:t>Writing comments in Visual Basic</a:t>
             </a:r>
           </a:p>
           <a:p>
@@ -10462,11 +10347,7 @@
             </a:pPr>
             <a:r>
               <a:rPr lang="en-US" dirty="0"/>
-              <a:t>DEBUGGING IN VISUAL </a:t>
-            </a:r>
-            <a:r>
-              <a:rPr lang="en-US" dirty="0" smtClean="0"/>
-              <a:t>BASIC</a:t>
+              <a:t>DEBUGGING IN VISUAL BASIC</a:t>
             </a:r>
           </a:p>
           <a:p>
@@ -10538,10 +10419,9 @@
           <a:lstStyle/>
           <a:p>
             <a:r>
-              <a:rPr lang="en-US" dirty="0" smtClean="0"/>
+              <a:rPr lang="en-US" dirty="0"/>
               <a:t>DEBUGGING IN VISUAL BASIC</a:t>
             </a:r>
-            <a:endParaRPr lang="en-US" dirty="0"/>
           </a:p>
         </p:txBody>
       </p:sp>
@@ -10598,72 +10478,72 @@
           <a:lstStyle/>
           <a:p>
             <a:r>
-              <a:rPr lang="en-US" dirty="0" smtClean="0"/>
+              <a:rPr lang="en-US" dirty="0"/>
               <a:t>Use </a:t>
             </a:r>
             <a:r>
-              <a:rPr lang="en-US" dirty="0" err="1" smtClean="0"/>
+              <a:rPr lang="en-US" dirty="0" err="1"/>
               <a:t>Console.WriteLine</a:t>
             </a:r>
             <a:r>
-              <a:rPr lang="en-US" dirty="0" smtClean="0"/>
+              <a:rPr lang="en-US" dirty="0"/>
               <a:t>(</a:t>
             </a:r>
             <a:r>
-              <a:rPr lang="en-US" dirty="0" err="1" smtClean="0"/>
+              <a:rPr lang="en-US" dirty="0" err="1"/>
               <a:t>variableName</a:t>
             </a:r>
             <a:r>
-              <a:rPr lang="en-US" dirty="0" smtClean="0"/>
+              <a:rPr lang="en-US" dirty="0"/>
               <a:t>)</a:t>
             </a:r>
           </a:p>
           <a:p>
             <a:r>
-              <a:rPr lang="en-US" dirty="0" smtClean="0"/>
+              <a:rPr lang="en-US" dirty="0"/>
               <a:t>Or </a:t>
             </a:r>
             <a:r>
-              <a:rPr lang="en-US" dirty="0" err="1" smtClean="0"/>
+              <a:rPr lang="en-US" dirty="0" err="1"/>
               <a:t>System.Diagnostics.Debug.WriteLine</a:t>
             </a:r>
             <a:r>
-              <a:rPr lang="en-US" dirty="0" smtClean="0"/>
+              <a:rPr lang="en-US" dirty="0"/>
               <a:t>(</a:t>
             </a:r>
             <a:r>
-              <a:rPr lang="en-US" dirty="0" err="1" smtClean="0"/>
+              <a:rPr lang="en-US" dirty="0" err="1"/>
               <a:t>variableName</a:t>
             </a:r>
             <a:r>
-              <a:rPr lang="en-US" dirty="0" smtClean="0"/>
+              <a:rPr lang="en-US" dirty="0"/>
               <a:t>)</a:t>
             </a:r>
           </a:p>
           <a:p>
             <a:r>
-              <a:rPr lang="en-US" dirty="0" smtClean="0"/>
+              <a:rPr lang="en-US" dirty="0"/>
               <a:t>To debug </a:t>
             </a:r>
             <a:r>
-              <a:rPr lang="en-US" dirty="0" err="1" smtClean="0"/>
+              <a:rPr lang="en-US" dirty="0" err="1"/>
               <a:t>ur</a:t>
             </a:r>
             <a:r>
-              <a:rPr lang="en-US" dirty="0" smtClean="0"/>
+              <a:rPr lang="en-US" dirty="0"/>
               <a:t> output</a:t>
             </a:r>
           </a:p>
           <a:p>
             <a:r>
-              <a:rPr lang="en-US" dirty="0" smtClean="0"/>
+              <a:rPr lang="en-US" dirty="0"/>
               <a:t>In programming languages like python we would use print()</a:t>
             </a:r>
             <a:br>
-              <a:rPr lang="en-US" dirty="0" smtClean="0"/>
+              <a:rPr lang="en-US" dirty="0"/>
             </a:br>
             <a:r>
-              <a:rPr lang="en-US" dirty="0" smtClean="0"/>
+              <a:rPr lang="en-US" dirty="0"/>
               <a:t>to check our output</a:t>
             </a:r>
             <a:endParaRPr lang="en-SG" dirty="0"/>
@@ -10725,10 +10605,9 @@
           <a:lstStyle/>
           <a:p>
             <a:r>
-              <a:rPr lang="en-US" dirty="0" smtClean="0"/>
+              <a:rPr lang="en-US" dirty="0"/>
               <a:t>STRING Concatenation in visual Basic</a:t>
             </a:r>
-            <a:endParaRPr lang="en-US" dirty="0"/>
           </a:p>
         </p:txBody>
       </p:sp>
@@ -10836,10 +10715,9 @@
           <a:lstStyle/>
           <a:p>
             <a:r>
-              <a:rPr lang="en-US" dirty="0" smtClean="0"/>
+              <a:rPr lang="en-US" dirty="0"/>
               <a:t>STRING Concatenation in visual Basic</a:t>
             </a:r>
-            <a:endParaRPr lang="en-US" dirty="0"/>
           </a:p>
         </p:txBody>
       </p:sp>
@@ -11041,7 +10919,7 @@
               <a:tabLst/>
             </a:pPr>
             <a:r>
-              <a:rPr kumimoji="0" lang="en-US" altLang="en-US" b="1" i="0" u="none" strike="noStrike" cap="none" normalizeH="0" baseline="0" dirty="0" smtClean="0">
+              <a:rPr kumimoji="0" lang="en-US" altLang="en-US" b="1" i="0" u="none" strike="noStrike" cap="none" normalizeH="0" baseline="0" dirty="0">
                 <a:ln>
                   <a:noFill/>
                 </a:ln>
@@ -11072,7 +10950,7 @@
               <a:buNone/>
               <a:tabLst/>
             </a:pPr>
-            <a:endParaRPr kumimoji="0" lang="en-US" altLang="en-US" sz="700" b="1" i="0" u="none" strike="noStrike" cap="none" normalizeH="0" baseline="0" dirty="0" smtClean="0">
+            <a:endParaRPr kumimoji="0" lang="en-US" altLang="en-US" sz="700" b="1" i="0" u="none" strike="noStrike" cap="none" normalizeH="0" baseline="0" dirty="0">
               <a:ln>
                 <a:noFill/>
               </a:ln>
@@ -11102,7 +10980,7 @@
               <a:tabLst/>
             </a:pPr>
             <a:r>
-              <a:rPr kumimoji="0" lang="en-US" altLang="en-US" sz="1200" b="0" i="0" u="none" strike="noStrike" cap="none" normalizeH="0" baseline="0" dirty="0" smtClean="0">
+              <a:rPr kumimoji="0" lang="en-US" altLang="en-US" sz="1200" b="0" i="0" u="none" strike="noStrike" cap="none" normalizeH="0" baseline="0" dirty="0">
                 <a:ln>
                   <a:noFill/>
                 </a:ln>
@@ -11116,7 +10994,7 @@
               <a:t>The </a:t>
             </a:r>
             <a:r>
-              <a:rPr kumimoji="0" lang="en-US" altLang="en-US" sz="1200" b="0" i="0" u="none" strike="noStrike" cap="none" normalizeH="0" baseline="0" dirty="0" smtClean="0">
+              <a:rPr kumimoji="0" lang="en-US" altLang="en-US" sz="1200" b="0" i="0" u="none" strike="noStrike" cap="none" normalizeH="0" baseline="0" dirty="0">
                 <a:ln>
                   <a:noFill/>
                 </a:ln>
@@ -11131,7 +11009,7 @@
               <a:t>+ Operator</a:t>
             </a:r>
             <a:r>
-              <a:rPr kumimoji="0" lang="en-US" altLang="en-US" sz="1200" b="0" i="0" u="none" strike="noStrike" cap="none" normalizeH="0" baseline="0" dirty="0" smtClean="0">
+              <a:rPr kumimoji="0" lang="en-US" altLang="en-US" sz="1200" b="0" i="0" u="none" strike="noStrike" cap="none" normalizeH="0" baseline="0" dirty="0">
                 <a:ln>
                   <a:noFill/>
                 </a:ln>
@@ -11145,7 +11023,7 @@
               <a:t> has the primary purpose of adding two numbers. However, it can also concatenate numeric operands with string operands. The </a:t>
             </a:r>
             <a:r>
-              <a:rPr kumimoji="0" lang="en-US" altLang="en-US" sz="900" b="0" i="0" u="none" strike="noStrike" cap="none" normalizeH="0" baseline="0" dirty="0" smtClean="0">
+              <a:rPr kumimoji="0" lang="en-US" altLang="en-US" sz="900" b="0" i="0" u="none" strike="noStrike" cap="none" normalizeH="0" baseline="0" dirty="0">
                 <a:ln>
                   <a:noFill/>
                 </a:ln>
@@ -11159,7 +11037,7 @@
               <a:t>+</a:t>
             </a:r>
             <a:r>
-              <a:rPr kumimoji="0" lang="en-US" altLang="en-US" sz="1200" b="0" i="0" u="none" strike="noStrike" cap="none" normalizeH="0" baseline="0" dirty="0" smtClean="0">
+              <a:rPr kumimoji="0" lang="en-US" altLang="en-US" sz="1200" b="0" i="0" u="none" strike="noStrike" cap="none" normalizeH="0" baseline="0" dirty="0">
                 <a:ln>
                   <a:noFill/>
                 </a:ln>
@@ -11173,7 +11051,7 @@
               <a:t> operator has a complex set of rules that determine whether to add, concatenate, signal a compiler error, or throw a run-time </a:t>
             </a:r>
             <a:r>
-              <a:rPr kumimoji="0" lang="en-US" altLang="en-US" sz="1200" b="0" i="0" u="none" strike="noStrike" cap="none" normalizeH="0" baseline="0" dirty="0" err="1" smtClean="0">
+              <a:rPr kumimoji="0" lang="en-US" altLang="en-US" sz="1200" b="0" i="0" u="none" strike="noStrike" cap="none" normalizeH="0" baseline="0" dirty="0" err="1">
                 <a:ln>
                   <a:noFill/>
                 </a:ln>
@@ -11188,7 +11066,7 @@
               <a:t>InvalidCastException</a:t>
             </a:r>
             <a:r>
-              <a:rPr kumimoji="0" lang="en-US" altLang="en-US" sz="1200" b="0" i="0" u="none" strike="noStrike" cap="none" normalizeH="0" baseline="0" dirty="0" smtClean="0">
+              <a:rPr kumimoji="0" lang="en-US" altLang="en-US" sz="1200" b="0" i="0" u="none" strike="noStrike" cap="none" normalizeH="0" baseline="0" dirty="0">
                 <a:ln>
                   <a:noFill/>
                 </a:ln>
@@ -11219,7 +11097,7 @@
               <a:buNone/>
               <a:tabLst/>
             </a:pPr>
-            <a:endParaRPr kumimoji="0" lang="en-US" altLang="en-US" sz="500" b="0" i="0" u="none" strike="noStrike" cap="none" normalizeH="0" baseline="0" dirty="0" smtClean="0">
+            <a:endParaRPr kumimoji="0" lang="en-US" altLang="en-US" sz="500" b="0" i="0" u="none" strike="noStrike" cap="none" normalizeH="0" baseline="0" dirty="0">
               <a:ln>
                 <a:noFill/>
               </a:ln>
@@ -11247,7 +11125,7 @@
               <a:tabLst/>
             </a:pPr>
             <a:r>
-              <a:rPr kumimoji="0" lang="en-US" altLang="en-US" sz="1200" b="0" i="0" u="none" strike="noStrike" cap="none" normalizeH="0" baseline="0" dirty="0" smtClean="0">
+              <a:rPr kumimoji="0" lang="en-US" altLang="en-US" sz="1200" b="0" i="0" u="none" strike="noStrike" cap="none" normalizeH="0" baseline="0" dirty="0">
                 <a:ln>
                   <a:noFill/>
                 </a:ln>
@@ -11261,7 +11139,7 @@
               <a:t>The </a:t>
             </a:r>
             <a:r>
-              <a:rPr kumimoji="0" lang="en-US" altLang="en-US" sz="1200" b="0" i="0" u="none" strike="noStrike" cap="none" normalizeH="0" baseline="0" dirty="0" smtClean="0">
+              <a:rPr kumimoji="0" lang="en-US" altLang="en-US" sz="1200" b="0" i="0" u="none" strike="noStrike" cap="none" normalizeH="0" baseline="0" dirty="0">
                 <a:ln>
                   <a:noFill/>
                 </a:ln>
@@ -11276,7 +11154,7 @@
               <a:t>&amp; Operator</a:t>
             </a:r>
             <a:r>
-              <a:rPr kumimoji="0" lang="en-US" altLang="en-US" sz="1200" b="0" i="0" u="none" strike="noStrike" cap="none" normalizeH="0" baseline="0" dirty="0" smtClean="0">
+              <a:rPr kumimoji="0" lang="en-US" altLang="en-US" sz="1200" b="0" i="0" u="none" strike="noStrike" cap="none" normalizeH="0" baseline="0" dirty="0">
                 <a:ln>
                   <a:noFill/>
                 </a:ln>
@@ -11290,7 +11168,7 @@
               <a:t> is defined only for </a:t>
             </a:r>
             <a:r>
-              <a:rPr kumimoji="0" lang="en-US" altLang="en-US" sz="900" b="0" i="0" u="none" strike="noStrike" cap="none" normalizeH="0" baseline="0" dirty="0" smtClean="0">
+              <a:rPr kumimoji="0" lang="en-US" altLang="en-US" sz="900" b="0" i="0" u="none" strike="noStrike" cap="none" normalizeH="0" baseline="0" dirty="0">
                 <a:ln>
                   <a:noFill/>
                 </a:ln>
@@ -11304,7 +11182,7 @@
               <a:t>String</a:t>
             </a:r>
             <a:r>
-              <a:rPr kumimoji="0" lang="en-US" altLang="en-US" sz="1200" b="0" i="0" u="none" strike="noStrike" cap="none" normalizeH="0" baseline="0" dirty="0" smtClean="0">
+              <a:rPr kumimoji="0" lang="en-US" altLang="en-US" sz="1200" b="0" i="0" u="none" strike="noStrike" cap="none" normalizeH="0" baseline="0" dirty="0">
                 <a:ln>
                   <a:noFill/>
                 </a:ln>
@@ -11318,7 +11196,7 @@
               <a:t> operands, and it always widens its operands to </a:t>
             </a:r>
             <a:r>
-              <a:rPr kumimoji="0" lang="en-US" altLang="en-US" sz="900" b="0" i="0" u="none" strike="noStrike" cap="none" normalizeH="0" baseline="0" dirty="0" smtClean="0">
+              <a:rPr kumimoji="0" lang="en-US" altLang="en-US" sz="900" b="0" i="0" u="none" strike="noStrike" cap="none" normalizeH="0" baseline="0" dirty="0">
                 <a:ln>
                   <a:noFill/>
                 </a:ln>
@@ -11332,7 +11210,7 @@
               <a:t>String</a:t>
             </a:r>
             <a:r>
-              <a:rPr kumimoji="0" lang="en-US" altLang="en-US" sz="1200" b="0" i="0" u="none" strike="noStrike" cap="none" normalizeH="0" baseline="0" dirty="0" smtClean="0">
+              <a:rPr kumimoji="0" lang="en-US" altLang="en-US" sz="1200" b="0" i="0" u="none" strike="noStrike" cap="none" normalizeH="0" baseline="0" dirty="0">
                 <a:ln>
                   <a:noFill/>
                 </a:ln>
@@ -11346,7 +11224,7 @@
               <a:t>, regardless of the setting of </a:t>
             </a:r>
             <a:r>
-              <a:rPr kumimoji="0" lang="en-US" altLang="en-US" sz="900" b="0" i="0" u="none" strike="noStrike" cap="none" normalizeH="0" baseline="0" dirty="0" smtClean="0">
+              <a:rPr kumimoji="0" lang="en-US" altLang="en-US" sz="900" b="0" i="0" u="none" strike="noStrike" cap="none" normalizeH="0" baseline="0" dirty="0">
                 <a:ln>
                   <a:noFill/>
                 </a:ln>
@@ -11360,7 +11238,7 @@
               <a:t>Option Strict</a:t>
             </a:r>
             <a:r>
-              <a:rPr kumimoji="0" lang="en-US" altLang="en-US" sz="1200" b="0" i="0" u="none" strike="noStrike" cap="none" normalizeH="0" baseline="0" dirty="0" smtClean="0">
+              <a:rPr kumimoji="0" lang="en-US" altLang="en-US" sz="1200" b="0" i="0" u="none" strike="noStrike" cap="none" normalizeH="0" baseline="0" dirty="0">
                 <a:ln>
                   <a:noFill/>
                 </a:ln>
@@ -11374,7 +11252,7 @@
               <a:t>. The </a:t>
             </a:r>
             <a:r>
-              <a:rPr kumimoji="0" lang="en-US" altLang="en-US" sz="900" b="0" i="0" u="none" strike="noStrike" cap="none" normalizeH="0" baseline="0" dirty="0" smtClean="0">
+              <a:rPr kumimoji="0" lang="en-US" altLang="en-US" sz="900" b="0" i="0" u="none" strike="noStrike" cap="none" normalizeH="0" baseline="0" dirty="0">
                 <a:ln>
                   <a:noFill/>
                 </a:ln>
@@ -11388,7 +11266,7 @@
               <a:t>&amp;</a:t>
             </a:r>
             <a:r>
-              <a:rPr kumimoji="0" lang="en-US" altLang="en-US" sz="1200" b="0" i="0" u="none" strike="noStrike" cap="none" normalizeH="0" baseline="0" dirty="0" smtClean="0">
+              <a:rPr kumimoji="0" lang="en-US" altLang="en-US" sz="1200" b="0" i="0" u="none" strike="noStrike" cap="none" normalizeH="0" baseline="0" dirty="0">
                 <a:ln>
                   <a:noFill/>
                 </a:ln>
@@ -11401,7 +11279,7 @@
               </a:rPr>
               <a:t> operator is recommended for string concatenation because it is defined exclusively for strings and reduces your chances of generating an unintended conversion.</a:t>
             </a:r>
-            <a:endParaRPr kumimoji="0" lang="en-US" altLang="en-US" sz="1800" b="0" i="0" u="none" strike="noStrike" cap="none" normalizeH="0" baseline="0" dirty="0" smtClean="0">
+            <a:endParaRPr kumimoji="0" lang="en-US" altLang="en-US" sz="1800" b="0" i="0" u="none" strike="noStrike" cap="none" normalizeH="0" baseline="0" dirty="0">
               <a:ln>
                 <a:noFill/>
               </a:ln>
@@ -11488,7 +11366,7 @@
           <a:lstStyle/>
           <a:p>
             <a:r>
-              <a:rPr lang="en-US" dirty="0" smtClean="0"/>
+              <a:rPr lang="en-US" dirty="0"/>
               <a:t>Can be written in this manner, example shown below</a:t>
             </a:r>
             <a:endParaRPr lang="en-SG" dirty="0"/>
@@ -11547,10 +11425,9 @@
           <a:lstStyle/>
           <a:p>
             <a:r>
-              <a:rPr lang="en-US" dirty="0" smtClean="0"/>
+              <a:rPr lang="en-US" dirty="0"/>
               <a:t>EXERCISE (10 – 15 minutes)</a:t>
             </a:r>
-            <a:endParaRPr lang="en-US" dirty="0"/>
           </a:p>
         </p:txBody>
       </p:sp>
@@ -11584,7 +11461,7 @@
               <a:buNone/>
             </a:pPr>
             <a:r>
-              <a:rPr lang="en-US" dirty="0" smtClean="0"/>
+              <a:rPr lang="en-US" dirty="0"/>
               <a:t>To create a mini application</a:t>
             </a:r>
           </a:p>
@@ -11593,7 +11470,7 @@
               <a:buAutoNum type="arabicPeriod"/>
             </a:pPr>
             <a:r>
-              <a:rPr lang="en-US" dirty="0" smtClean="0"/>
+              <a:rPr lang="en-US" dirty="0"/>
               <a:t>Input name button on click must print in visual studio output</a:t>
             </a:r>
           </a:p>
@@ -11602,7 +11479,7 @@
               <a:buAutoNum type="arabicPeriod"/>
             </a:pPr>
             <a:r>
-              <a:rPr lang="en-US" dirty="0" smtClean="0"/>
+              <a:rPr lang="en-US" dirty="0"/>
               <a:t>Input id button on click must print in visual studio output</a:t>
             </a:r>
           </a:p>
@@ -11611,7 +11488,7 @@
               <a:buAutoNum type="arabicPeriod"/>
             </a:pPr>
             <a:r>
-              <a:rPr lang="en-US" dirty="0" smtClean="0"/>
+              <a:rPr lang="en-US" dirty="0"/>
               <a:t>When I click button result it should print out the name field with a space followed by the ID</a:t>
             </a:r>
           </a:p>
@@ -11959,7 +11836,7 @@
           <p:nvPr>
             <p:extLst>
               <p:ext uri="{D42A27DB-BD31-4B8C-83A1-F6EECF244321}">
-                <p14:modId xmlns:p14="http://schemas.microsoft.com/office/powerpoint/2010/main" val="2429060681"/>
+                <p14:modId xmlns:p14="http://schemas.microsoft.com/office/powerpoint/2010/main" val="1353536522"/>
               </p:ext>
             </p:extLst>
           </p:nvPr>
@@ -12802,7 +12679,7 @@
                     <a:p>
                       <a:r>
                         <a:rPr lang="en-US" dirty="0"/>
-                        <a:t>Gr</a:t>
+                        <a:t>gr</a:t>
                       </a:r>
                     </a:p>
                   </a:txBody>
@@ -12989,8 +12866,8 @@
                     <a:lstStyle/>
                     <a:p>
                       <a:r>
-                        <a:rPr lang="en-US" dirty="0" err="1" smtClean="0"/>
-                        <a:t>Btn</a:t>
+                        <a:rPr lang="en-US" dirty="0" err="1"/>
+                        <a:t>btn</a:t>
                       </a:r>
                       <a:endParaRPr lang="en-US" dirty="0"/>
                     </a:p>
@@ -13003,10 +12880,9 @@
                     <a:lstStyle/>
                     <a:p>
                       <a:r>
-                        <a:rPr lang="en-US" dirty="0" smtClean="0"/>
+                        <a:rPr lang="en-US" dirty="0"/>
                         <a:t>Button</a:t>
                       </a:r>
-                      <a:endParaRPr lang="en-US" dirty="0"/>
                     </a:p>
                   </a:txBody>
                   <a:tcPr/>
@@ -13034,7 +12910,7 @@
                         <a:defRPr/>
                       </a:pPr>
                       <a:r>
-                        <a:rPr lang="en-US" dirty="0" err="1" smtClean="0">
+                        <a:rPr lang="en-US" dirty="0" err="1">
                           <a:effectLst/>
                         </a:rPr>
                         <a:t>btnOk</a:t>
@@ -13922,10 +13798,9 @@
           <a:lstStyle/>
           <a:p>
             <a:r>
-              <a:rPr lang="en-SG" dirty="0" smtClean="0"/>
+              <a:rPr lang="en-SG" dirty="0"/>
               <a:t>Properties</a:t>
             </a:r>
-            <a:endParaRPr lang="en-SG" dirty="0"/>
           </a:p>
         </p:txBody>
       </p:sp>
@@ -14152,10 +14027,9 @@
           <a:lstStyle/>
           <a:p>
             <a:r>
-              <a:rPr lang="en-SG" dirty="0" smtClean="0"/>
+              <a:rPr lang="en-SG" dirty="0"/>
               <a:t>Methods</a:t>
             </a:r>
-            <a:endParaRPr lang="en-SG" dirty="0"/>
           </a:p>
         </p:txBody>
       </p:sp>
@@ -14187,31 +14061,19 @@
           <a:p>
             <a:r>
               <a:rPr lang="en-US" dirty="0"/>
-              <a:t>Procedures that operate on an </a:t>
-            </a:r>
-            <a:r>
-              <a:rPr lang="en-US" dirty="0" smtClean="0"/>
-              <a:t>Object</a:t>
+              <a:t>Procedures that operate on an Object</a:t>
             </a:r>
           </a:p>
           <a:p>
             <a:r>
               <a:rPr lang="en-US" dirty="0"/>
-              <a:t>May change the values of </a:t>
-            </a:r>
-            <a:r>
-              <a:rPr lang="en-US" dirty="0" smtClean="0"/>
-              <a:t>Properties</a:t>
+              <a:t>May change the values of Properties</a:t>
             </a:r>
           </a:p>
           <a:p>
             <a:r>
               <a:rPr lang="en-US" dirty="0"/>
-              <a:t>Returns a value and accepts </a:t>
-            </a:r>
-            <a:r>
-              <a:rPr lang="en-US" dirty="0" smtClean="0"/>
-              <a:t>arguments</a:t>
+              <a:t>Returns a value and accepts arguments</a:t>
             </a:r>
           </a:p>
           <a:p>
@@ -14220,19 +14082,15 @@
               <a:t>General format is: </a:t>
             </a:r>
             <a:r>
-              <a:rPr lang="en-SG" dirty="0" err="1" smtClean="0"/>
+              <a:rPr lang="en-SG" dirty="0" err="1"/>
               <a:t>Object.Method</a:t>
             </a:r>
-            <a:endParaRPr lang="en-SG" dirty="0" smtClean="0"/>
+            <a:endParaRPr lang="en-SG" dirty="0"/>
           </a:p>
           <a:p>
             <a:r>
               <a:rPr lang="en-US" dirty="0"/>
-              <a:t>Arguments are separated by commas</a:t>
-            </a:r>
-            <a:r>
-              <a:rPr lang="en-US" dirty="0" smtClean="0"/>
-              <a:t>:</a:t>
+              <a:t>Arguments are separated by commas:</a:t>
             </a:r>
           </a:p>
           <a:p>
@@ -14338,7 +14196,7 @@
               <a:t>Me.CreateGraphics</a:t>
             </a:r>
             <a:r>
-              <a:rPr lang="en-SG" dirty="0" smtClean="0">
+              <a:rPr lang="en-SG" dirty="0">
                 <a:solidFill>
                   <a:schemeClr val="accent6"/>
                 </a:solidFill>
@@ -14385,15 +14243,7 @@
                   <a:schemeClr val="accent6"/>
                 </a:solidFill>
               </a:rPr>
-              <a:t>, 3</a:t>
-            </a:r>
-            <a:r>
-              <a:rPr lang="en-US" dirty="0" smtClean="0">
-                <a:solidFill>
-                  <a:schemeClr val="accent6"/>
-                </a:solidFill>
-              </a:rPr>
-              <a:t>)</a:t>
+              <a:t>, 3)</a:t>
             </a:r>
           </a:p>
           <a:p>
